--- a/data/presentation.pptx
+++ b/data/presentation.pptx
@@ -16,8 +16,7 @@
     <p:sldId id="264" r:id="rId10"/>
     <p:sldId id="265" r:id="rId11"/>
     <p:sldId id="267" r:id="rId12"/>
-    <p:sldId id="268" r:id="rId13"/>
-    <p:sldId id="266" r:id="rId14"/>
+    <p:sldId id="266" r:id="rId13"/>
   </p:sldIdLst>
   <p:sldSz cx="12192000" cy="6858000"/>
   <p:notesSz cx="6858000" cy="9144000"/>
@@ -166,10 +165,9 @@
           </a:lstStyle>
           <a:p>
             <a:r>
-              <a:rPr lang="en-US" smtClean="0"/>
+              <a:rPr lang="en-US"/>
               <a:t>Click to edit Master title style</a:t>
             </a:r>
-            <a:endParaRPr lang="en-US"/>
           </a:p>
         </p:txBody>
       </p:sp>
@@ -231,10 +229,9 @@
           </a:lstStyle>
           <a:p>
             <a:r>
-              <a:rPr lang="en-US" smtClean="0"/>
+              <a:rPr lang="en-US"/>
               <a:t>Click to edit Master subtitle style</a:t>
             </a:r>
-            <a:endParaRPr lang="en-US"/>
           </a:p>
         </p:txBody>
       </p:sp>
@@ -349,10 +346,9 @@
           <a:lstStyle/>
           <a:p>
             <a:r>
-              <a:rPr lang="en-US" smtClean="0"/>
+              <a:rPr lang="en-US"/>
               <a:t>Click to edit Master title style</a:t>
             </a:r>
-            <a:endParaRPr lang="en-US"/>
           </a:p>
         </p:txBody>
       </p:sp>
@@ -373,38 +369,37 @@
           <a:p>
             <a:pPr lvl="0"/>
             <a:r>
-              <a:rPr lang="en-US" smtClean="0"/>
+              <a:rPr lang="en-US"/>
               <a:t>Edit Master text styles</a:t>
             </a:r>
           </a:p>
           <a:p>
             <a:pPr lvl="1"/>
             <a:r>
-              <a:rPr lang="en-US" smtClean="0"/>
+              <a:rPr lang="en-US"/>
               <a:t>Second level</a:t>
             </a:r>
           </a:p>
           <a:p>
             <a:pPr lvl="2"/>
             <a:r>
-              <a:rPr lang="en-US" smtClean="0"/>
+              <a:rPr lang="en-US"/>
               <a:t>Third level</a:t>
             </a:r>
           </a:p>
           <a:p>
             <a:pPr lvl="3"/>
             <a:r>
-              <a:rPr lang="en-US" smtClean="0"/>
+              <a:rPr lang="en-US"/>
               <a:t>Fourth level</a:t>
             </a:r>
           </a:p>
           <a:p>
             <a:pPr lvl="4"/>
             <a:r>
-              <a:rPr lang="en-US" smtClean="0"/>
+              <a:rPr lang="en-US"/>
               <a:t>Fifth level</a:t>
             </a:r>
-            <a:endParaRPr lang="en-US"/>
           </a:p>
         </p:txBody>
       </p:sp>
@@ -524,10 +519,9 @@
           <a:lstStyle/>
           <a:p>
             <a:r>
-              <a:rPr lang="en-US" smtClean="0"/>
+              <a:rPr lang="en-US"/>
               <a:t>Click to edit Master title style</a:t>
             </a:r>
-            <a:endParaRPr lang="en-US"/>
           </a:p>
         </p:txBody>
       </p:sp>
@@ -553,38 +547,37 @@
           <a:p>
             <a:pPr lvl="0"/>
             <a:r>
-              <a:rPr lang="en-US" smtClean="0"/>
+              <a:rPr lang="en-US"/>
               <a:t>Edit Master text styles</a:t>
             </a:r>
           </a:p>
           <a:p>
             <a:pPr lvl="1"/>
             <a:r>
-              <a:rPr lang="en-US" smtClean="0"/>
+              <a:rPr lang="en-US"/>
               <a:t>Second level</a:t>
             </a:r>
           </a:p>
           <a:p>
             <a:pPr lvl="2"/>
             <a:r>
-              <a:rPr lang="en-US" smtClean="0"/>
+              <a:rPr lang="en-US"/>
               <a:t>Third level</a:t>
             </a:r>
           </a:p>
           <a:p>
             <a:pPr lvl="3"/>
             <a:r>
-              <a:rPr lang="en-US" smtClean="0"/>
+              <a:rPr lang="en-US"/>
               <a:t>Fourth level</a:t>
             </a:r>
           </a:p>
           <a:p>
             <a:pPr lvl="4"/>
             <a:r>
-              <a:rPr lang="en-US" smtClean="0"/>
+              <a:rPr lang="en-US"/>
               <a:t>Fifth level</a:t>
             </a:r>
-            <a:endParaRPr lang="en-US"/>
           </a:p>
         </p:txBody>
       </p:sp>
@@ -699,10 +692,9 @@
           <a:lstStyle/>
           <a:p>
             <a:r>
-              <a:rPr lang="en-US" smtClean="0"/>
+              <a:rPr lang="en-US"/>
               <a:t>Click to edit Master title style</a:t>
             </a:r>
-            <a:endParaRPr lang="en-US"/>
           </a:p>
         </p:txBody>
       </p:sp>
@@ -723,38 +715,37 @@
           <a:p>
             <a:pPr lvl="0"/>
             <a:r>
-              <a:rPr lang="en-US" smtClean="0"/>
+              <a:rPr lang="en-US"/>
               <a:t>Edit Master text styles</a:t>
             </a:r>
           </a:p>
           <a:p>
             <a:pPr lvl="1"/>
             <a:r>
-              <a:rPr lang="en-US" smtClean="0"/>
+              <a:rPr lang="en-US"/>
               <a:t>Second level</a:t>
             </a:r>
           </a:p>
           <a:p>
             <a:pPr lvl="2"/>
             <a:r>
-              <a:rPr lang="en-US" smtClean="0"/>
+              <a:rPr lang="en-US"/>
               <a:t>Third level</a:t>
             </a:r>
           </a:p>
           <a:p>
             <a:pPr lvl="3"/>
             <a:r>
-              <a:rPr lang="en-US" smtClean="0"/>
+              <a:rPr lang="en-US"/>
               <a:t>Fourth level</a:t>
             </a:r>
           </a:p>
           <a:p>
             <a:pPr lvl="4"/>
             <a:r>
-              <a:rPr lang="en-US" smtClean="0"/>
+              <a:rPr lang="en-US"/>
               <a:t>Fifth level</a:t>
             </a:r>
-            <a:endParaRPr lang="en-US"/>
           </a:p>
         </p:txBody>
       </p:sp>
@@ -878,10 +869,9 @@
           </a:lstStyle>
           <a:p>
             <a:r>
-              <a:rPr lang="en-US" smtClean="0"/>
+              <a:rPr lang="en-US"/>
               <a:t>Click to edit Master title style</a:t>
             </a:r>
-            <a:endParaRPr lang="en-US"/>
           </a:p>
         </p:txBody>
       </p:sp>
@@ -998,7 +988,7 @@
           <a:p>
             <a:pPr lvl="0"/>
             <a:r>
-              <a:rPr lang="en-US" smtClean="0"/>
+              <a:rPr lang="en-US"/>
               <a:t>Edit Master text styles</a:t>
             </a:r>
           </a:p>
@@ -1115,10 +1105,9 @@
           <a:lstStyle/>
           <a:p>
             <a:r>
-              <a:rPr lang="en-US" smtClean="0"/>
+              <a:rPr lang="en-US"/>
               <a:t>Click to edit Master title style</a:t>
             </a:r>
-            <a:endParaRPr lang="en-US"/>
           </a:p>
         </p:txBody>
       </p:sp>
@@ -1144,38 +1133,37 @@
           <a:p>
             <a:pPr lvl="0"/>
             <a:r>
-              <a:rPr lang="en-US" smtClean="0"/>
+              <a:rPr lang="en-US"/>
               <a:t>Edit Master text styles</a:t>
             </a:r>
           </a:p>
           <a:p>
             <a:pPr lvl="1"/>
             <a:r>
-              <a:rPr lang="en-US" smtClean="0"/>
+              <a:rPr lang="en-US"/>
               <a:t>Second level</a:t>
             </a:r>
           </a:p>
           <a:p>
             <a:pPr lvl="2"/>
             <a:r>
-              <a:rPr lang="en-US" smtClean="0"/>
+              <a:rPr lang="en-US"/>
               <a:t>Third level</a:t>
             </a:r>
           </a:p>
           <a:p>
             <a:pPr lvl="3"/>
             <a:r>
-              <a:rPr lang="en-US" smtClean="0"/>
+              <a:rPr lang="en-US"/>
               <a:t>Fourth level</a:t>
             </a:r>
           </a:p>
           <a:p>
             <a:pPr lvl="4"/>
             <a:r>
-              <a:rPr lang="en-US" smtClean="0"/>
+              <a:rPr lang="en-US"/>
               <a:t>Fifth level</a:t>
             </a:r>
-            <a:endParaRPr lang="en-US"/>
           </a:p>
         </p:txBody>
       </p:sp>
@@ -1201,38 +1189,37 @@
           <a:p>
             <a:pPr lvl="0"/>
             <a:r>
-              <a:rPr lang="en-US" smtClean="0"/>
+              <a:rPr lang="en-US"/>
               <a:t>Edit Master text styles</a:t>
             </a:r>
           </a:p>
           <a:p>
             <a:pPr lvl="1"/>
             <a:r>
-              <a:rPr lang="en-US" smtClean="0"/>
+              <a:rPr lang="en-US"/>
               <a:t>Second level</a:t>
             </a:r>
           </a:p>
           <a:p>
             <a:pPr lvl="2"/>
             <a:r>
-              <a:rPr lang="en-US" smtClean="0"/>
+              <a:rPr lang="en-US"/>
               <a:t>Third level</a:t>
             </a:r>
           </a:p>
           <a:p>
             <a:pPr lvl="3"/>
             <a:r>
-              <a:rPr lang="en-US" smtClean="0"/>
+              <a:rPr lang="en-US"/>
               <a:t>Fourth level</a:t>
             </a:r>
           </a:p>
           <a:p>
             <a:pPr lvl="4"/>
             <a:r>
-              <a:rPr lang="en-US" smtClean="0"/>
+              <a:rPr lang="en-US"/>
               <a:t>Fifth level</a:t>
             </a:r>
-            <a:endParaRPr lang="en-US"/>
           </a:p>
         </p:txBody>
       </p:sp>
@@ -1352,10 +1339,9 @@
           <a:lstStyle/>
           <a:p>
             <a:r>
-              <a:rPr lang="en-US" smtClean="0"/>
+              <a:rPr lang="en-US"/>
               <a:t>Click to edit Master title style</a:t>
             </a:r>
-            <a:endParaRPr lang="en-US"/>
           </a:p>
         </p:txBody>
       </p:sp>
@@ -1418,7 +1404,7 @@
           <a:p>
             <a:pPr lvl="0"/>
             <a:r>
-              <a:rPr lang="en-US" smtClean="0"/>
+              <a:rPr lang="en-US"/>
               <a:t>Edit Master text styles</a:t>
             </a:r>
           </a:p>
@@ -1446,38 +1432,37 @@
           <a:p>
             <a:pPr lvl="0"/>
             <a:r>
-              <a:rPr lang="en-US" smtClean="0"/>
+              <a:rPr lang="en-US"/>
               <a:t>Edit Master text styles</a:t>
             </a:r>
           </a:p>
           <a:p>
             <a:pPr lvl="1"/>
             <a:r>
-              <a:rPr lang="en-US" smtClean="0"/>
+              <a:rPr lang="en-US"/>
               <a:t>Second level</a:t>
             </a:r>
           </a:p>
           <a:p>
             <a:pPr lvl="2"/>
             <a:r>
-              <a:rPr lang="en-US" smtClean="0"/>
+              <a:rPr lang="en-US"/>
               <a:t>Third level</a:t>
             </a:r>
           </a:p>
           <a:p>
             <a:pPr lvl="3"/>
             <a:r>
-              <a:rPr lang="en-US" smtClean="0"/>
+              <a:rPr lang="en-US"/>
               <a:t>Fourth level</a:t>
             </a:r>
           </a:p>
           <a:p>
             <a:pPr lvl="4"/>
             <a:r>
-              <a:rPr lang="en-US" smtClean="0"/>
+              <a:rPr lang="en-US"/>
               <a:t>Fifth level</a:t>
             </a:r>
-            <a:endParaRPr lang="en-US"/>
           </a:p>
         </p:txBody>
       </p:sp>
@@ -1540,7 +1525,7 @@
           <a:p>
             <a:pPr lvl="0"/>
             <a:r>
-              <a:rPr lang="en-US" smtClean="0"/>
+              <a:rPr lang="en-US"/>
               <a:t>Edit Master text styles</a:t>
             </a:r>
           </a:p>
@@ -1568,38 +1553,37 @@
           <a:p>
             <a:pPr lvl="0"/>
             <a:r>
-              <a:rPr lang="en-US" smtClean="0"/>
+              <a:rPr lang="en-US"/>
               <a:t>Edit Master text styles</a:t>
             </a:r>
           </a:p>
           <a:p>
             <a:pPr lvl="1"/>
             <a:r>
-              <a:rPr lang="en-US" smtClean="0"/>
+              <a:rPr lang="en-US"/>
               <a:t>Second level</a:t>
             </a:r>
           </a:p>
           <a:p>
             <a:pPr lvl="2"/>
             <a:r>
-              <a:rPr lang="en-US" smtClean="0"/>
+              <a:rPr lang="en-US"/>
               <a:t>Third level</a:t>
             </a:r>
           </a:p>
           <a:p>
             <a:pPr lvl="3"/>
             <a:r>
-              <a:rPr lang="en-US" smtClean="0"/>
+              <a:rPr lang="en-US"/>
               <a:t>Fourth level</a:t>
             </a:r>
           </a:p>
           <a:p>
             <a:pPr lvl="4"/>
             <a:r>
-              <a:rPr lang="en-US" smtClean="0"/>
+              <a:rPr lang="en-US"/>
               <a:t>Fifth level</a:t>
             </a:r>
-            <a:endParaRPr lang="en-US"/>
           </a:p>
         </p:txBody>
       </p:sp>
@@ -1714,10 +1698,9 @@
           <a:lstStyle/>
           <a:p>
             <a:r>
-              <a:rPr lang="en-US" smtClean="0"/>
+              <a:rPr lang="en-US"/>
               <a:t>Click to edit Master title style</a:t>
             </a:r>
-            <a:endParaRPr lang="en-US"/>
           </a:p>
         </p:txBody>
       </p:sp>
@@ -1936,10 +1919,9 @@
           </a:lstStyle>
           <a:p>
             <a:r>
-              <a:rPr lang="en-US" smtClean="0"/>
+              <a:rPr lang="en-US"/>
               <a:t>Click to edit Master title style</a:t>
             </a:r>
-            <a:endParaRPr lang="en-US"/>
           </a:p>
         </p:txBody>
       </p:sp>
@@ -1993,38 +1975,37 @@
           <a:p>
             <a:pPr lvl="0"/>
             <a:r>
-              <a:rPr lang="en-US" smtClean="0"/>
+              <a:rPr lang="en-US"/>
               <a:t>Edit Master text styles</a:t>
             </a:r>
           </a:p>
           <a:p>
             <a:pPr lvl="1"/>
             <a:r>
-              <a:rPr lang="en-US" smtClean="0"/>
+              <a:rPr lang="en-US"/>
               <a:t>Second level</a:t>
             </a:r>
           </a:p>
           <a:p>
             <a:pPr lvl="2"/>
             <a:r>
-              <a:rPr lang="en-US" smtClean="0"/>
+              <a:rPr lang="en-US"/>
               <a:t>Third level</a:t>
             </a:r>
           </a:p>
           <a:p>
             <a:pPr lvl="3"/>
             <a:r>
-              <a:rPr lang="en-US" smtClean="0"/>
+              <a:rPr lang="en-US"/>
               <a:t>Fourth level</a:t>
             </a:r>
           </a:p>
           <a:p>
             <a:pPr lvl="4"/>
             <a:r>
-              <a:rPr lang="en-US" smtClean="0"/>
+              <a:rPr lang="en-US"/>
               <a:t>Fifth level</a:t>
             </a:r>
-            <a:endParaRPr lang="en-US"/>
           </a:p>
         </p:txBody>
       </p:sp>
@@ -2087,7 +2068,7 @@
           <a:p>
             <a:pPr lvl="0"/>
             <a:r>
-              <a:rPr lang="en-US" smtClean="0"/>
+              <a:rPr lang="en-US"/>
               <a:t>Edit Master text styles</a:t>
             </a:r>
           </a:p>
@@ -2213,10 +2194,9 @@
           </a:lstStyle>
           <a:p>
             <a:r>
-              <a:rPr lang="en-US" smtClean="0"/>
+              <a:rPr lang="en-US"/>
               <a:t>Click to edit Master title style</a:t>
             </a:r>
-            <a:endParaRPr lang="en-US"/>
           </a:p>
         </p:txBody>
       </p:sp>
@@ -2340,7 +2320,7 @@
           <a:p>
             <a:pPr lvl="0"/>
             <a:r>
-              <a:rPr lang="en-US" smtClean="0"/>
+              <a:rPr lang="en-US"/>
               <a:t>Edit Master text styles</a:t>
             </a:r>
           </a:p>
@@ -2472,10 +2452,9 @@
           <a:lstStyle/>
           <a:p>
             <a:r>
-              <a:rPr lang="en-US" smtClean="0"/>
+              <a:rPr lang="en-US"/>
               <a:t>Click to edit Master title style</a:t>
             </a:r>
-            <a:endParaRPr lang="en-US"/>
           </a:p>
         </p:txBody>
       </p:sp>
@@ -2506,38 +2485,37 @@
           <a:p>
             <a:pPr lvl="0"/>
             <a:r>
-              <a:rPr lang="en-US" smtClean="0"/>
+              <a:rPr lang="en-US"/>
               <a:t>Edit Master text styles</a:t>
             </a:r>
           </a:p>
           <a:p>
             <a:pPr lvl="1"/>
             <a:r>
-              <a:rPr lang="en-US" smtClean="0"/>
+              <a:rPr lang="en-US"/>
               <a:t>Second level</a:t>
             </a:r>
           </a:p>
           <a:p>
             <a:pPr lvl="2"/>
             <a:r>
-              <a:rPr lang="en-US" smtClean="0"/>
+              <a:rPr lang="en-US"/>
               <a:t>Third level</a:t>
             </a:r>
           </a:p>
           <a:p>
             <a:pPr lvl="3"/>
             <a:r>
-              <a:rPr lang="en-US" smtClean="0"/>
+              <a:rPr lang="en-US"/>
               <a:t>Fourth level</a:t>
             </a:r>
           </a:p>
           <a:p>
             <a:pPr lvl="4"/>
             <a:r>
-              <a:rPr lang="en-US" smtClean="0"/>
+              <a:rPr lang="en-US"/>
               <a:t>Fifth level</a:t>
             </a:r>
-            <a:endParaRPr lang="en-US"/>
           </a:p>
         </p:txBody>
       </p:sp>
@@ -2997,7 +2975,7 @@
           <a:lstStyle/>
           <a:p>
             <a:r>
-              <a:rPr lang="ru-RU" dirty="0" smtClean="0"/>
+              <a:rPr lang="ru-RU" dirty="0"/>
               <a:t>Садовский Антон</a:t>
             </a:r>
             <a:endParaRPr lang="en-US" dirty="0"/>
@@ -3069,14 +3047,13 @@
           <a:lstStyle/>
           <a:p>
             <a:r>
-              <a:rPr lang="ru-RU" dirty="0" smtClean="0"/>
+              <a:rPr lang="ru-RU" dirty="0"/>
               <a:t>Результаты – </a:t>
             </a:r>
             <a:r>
-              <a:rPr lang="en-US" dirty="0" smtClean="0"/>
+              <a:rPr lang="en-US" dirty="0"/>
               <a:t>loss &amp; validation loss</a:t>
             </a:r>
-            <a:endParaRPr lang="en-US" dirty="0"/>
           </a:p>
         </p:txBody>
       </p:sp>
@@ -3155,7 +3132,7 @@
           <a:lstStyle/>
           <a:p>
             <a:r>
-              <a:rPr lang="ru-RU" dirty="0" smtClean="0"/>
+              <a:rPr lang="ru-RU" dirty="0"/>
               <a:t>Особенности</a:t>
             </a:r>
             <a:endParaRPr lang="en-US" dirty="0"/>
@@ -3178,42 +3155,42 @@
           <a:lstStyle/>
           <a:p>
             <a:r>
-              <a:rPr lang="ru-RU" dirty="0" smtClean="0"/>
+              <a:rPr lang="ru-RU" dirty="0"/>
               <a:t>Случайная инициализация весов значительно увеличивает сходимость</a:t>
             </a:r>
           </a:p>
           <a:p>
             <a:r>
-              <a:rPr lang="ru-RU" dirty="0" smtClean="0"/>
+              <a:rPr lang="ru-RU" dirty="0"/>
               <a:t>Для остальных функций оптимизации не удалось подобрать оптимальных параметров и точность распознавания была либо ниже, либе не сходилась в процессе обучения</a:t>
             </a:r>
           </a:p>
           <a:p>
             <a:r>
-              <a:rPr lang="ru-RU" dirty="0" smtClean="0"/>
+              <a:rPr lang="ru-RU" dirty="0"/>
               <a:t>Для обучения было попробавно использовать параметры </a:t>
             </a:r>
             <a:r>
-              <a:rPr lang="en-US" dirty="0" smtClean="0"/>
+              <a:rPr lang="en-US" dirty="0"/>
               <a:t>epoch &gt; 100, </a:t>
             </a:r>
             <a:r>
-              <a:rPr lang="ru-RU" dirty="0" smtClean="0"/>
+              <a:rPr lang="ru-RU" dirty="0"/>
               <a:t>но размеры выборки на эпоху в </a:t>
             </a:r>
             <a:r>
-              <a:rPr lang="en-US" dirty="0" smtClean="0"/>
+              <a:rPr lang="en-US" dirty="0"/>
               <a:t>~ 500 </a:t>
             </a:r>
             <a:r>
-              <a:rPr lang="ru-RU" dirty="0" smtClean="0"/>
+              <a:rPr lang="ru-RU" dirty="0"/>
               <a:t>записей. Никакой разницы в итоговых метриках не было замечено</a:t>
             </a:r>
           </a:p>
           <a:p>
             <a:r>
-              <a:rPr lang="ru-RU" dirty="0" smtClean="0"/>
-              <a:t>Увеличения количества каких-либо слоёв уменьшало метрики</a:t>
+              <a:rPr lang="ru-RU" dirty="0"/>
+              <a:t>Увеличение количества каких-либо слоёв уменьшало метрики</a:t>
             </a:r>
             <a:endParaRPr lang="en-US" dirty="0"/>
           </a:p>
@@ -3264,7 +3241,11 @@
           <a:bodyPr/>
           <a:lstStyle/>
           <a:p>
-            <a:endParaRPr lang="en-US"/>
+            <a:r>
+              <a:rPr lang="ru-RU" dirty="0"/>
+              <a:t>Спасибо за внимание</a:t>
+            </a:r>
+            <a:endParaRPr lang="en-US" dirty="0"/>
           </a:p>
         </p:txBody>
       </p:sp>
@@ -3283,90 +3264,17 @@
           <a:bodyPr/>
           <a:lstStyle/>
           <a:p>
-            <a:endParaRPr lang="en-US"/>
-          </a:p>
-        </p:txBody>
-      </p:sp>
-    </p:spTree>
-    <p:extLst>
-      <p:ext uri="{BB962C8B-B14F-4D97-AF65-F5344CB8AC3E}">
-        <p14:creationId xmlns:p14="http://schemas.microsoft.com/office/powerpoint/2010/main" val="2921143634"/>
-      </p:ext>
-    </p:extLst>
-  </p:cSld>
-  <p:clrMapOvr>
-    <a:masterClrMapping/>
-  </p:clrMapOvr>
-</p:sld>
-</file>
-
-<file path=ppt/slides/slide13.xml><?xml version="1.0" encoding="utf-8"?>
-<p:sld xmlns:a="http://schemas.openxmlformats.org/drawingml/2006/main" xmlns:r="http://schemas.openxmlformats.org/officeDocument/2006/relationships" xmlns:p="http://schemas.openxmlformats.org/presentationml/2006/main">
-  <p:cSld>
-    <p:spTree>
-      <p:nvGrpSpPr>
-        <p:cNvPr id="1" name=""/>
-        <p:cNvGrpSpPr/>
-        <p:nvPr/>
-      </p:nvGrpSpPr>
-      <p:grpSpPr>
-        <a:xfrm>
-          <a:off x="0" y="0"/>
-          <a:ext cx="0" cy="0"/>
-          <a:chOff x="0" y="0"/>
-          <a:chExt cx="0" cy="0"/>
-        </a:xfrm>
-      </p:grpSpPr>
-      <p:sp>
-        <p:nvSpPr>
-          <p:cNvPr id="2" name="Title 1"/>
-          <p:cNvSpPr>
-            <a:spLocks noGrp="1"/>
-          </p:cNvSpPr>
-          <p:nvPr>
-            <p:ph type="title"/>
-          </p:nvPr>
-        </p:nvSpPr>
-        <p:spPr/>
-        <p:txBody>
-          <a:bodyPr/>
-          <a:lstStyle/>
-          <a:p>
-            <a:r>
-              <a:rPr lang="ru-RU" dirty="0" smtClean="0"/>
-              <a:t>Спасибо за внимание</a:t>
-            </a:r>
-            <a:endParaRPr lang="en-US" dirty="0"/>
-          </a:p>
-        </p:txBody>
-      </p:sp>
-      <p:sp>
-        <p:nvSpPr>
-          <p:cNvPr id="3" name="Content Placeholder 2"/>
-          <p:cNvSpPr>
-            <a:spLocks noGrp="1"/>
-          </p:cNvSpPr>
-          <p:nvPr>
-            <p:ph idx="1"/>
-          </p:nvPr>
-        </p:nvSpPr>
-        <p:spPr/>
-        <p:txBody>
-          <a:bodyPr/>
-          <a:lstStyle/>
-          <a:p>
             <a:pPr marL="0" indent="0">
               <a:buNone/>
             </a:pPr>
             <a:r>
-              <a:rPr lang="ru-RU" dirty="0" smtClean="0"/>
+              <a:rPr lang="ru-RU" dirty="0"/>
               <a:t>Ссылка на проект - </a:t>
             </a:r>
             <a:r>
               <a:rPr lang="en-US" dirty="0"/>
               <a:t>https://github.com/d768/ClassyBanana</a:t>
             </a:r>
-            <a:endParaRPr lang="en-US" dirty="0"/>
           </a:p>
         </p:txBody>
       </p:sp>
@@ -3416,7 +3324,7 @@
           <a:lstStyle/>
           <a:p>
             <a:r>
-              <a:rPr lang="ru-RU" dirty="0" smtClean="0"/>
+              <a:rPr lang="ru-RU" dirty="0"/>
               <a:t>Задача</a:t>
             </a:r>
             <a:endParaRPr lang="en-US" dirty="0"/>
@@ -3439,25 +3347,32 @@
           <a:lstStyle/>
           <a:p>
             <a:r>
-              <a:rPr lang="ru-RU" dirty="0" smtClean="0"/>
+              <a:rPr lang="ru-RU" dirty="0"/>
+              <a:t>Разпознавание вида фрукта по изображению</a:t>
+            </a:r>
+            <a:endParaRPr lang="en-US" dirty="0"/>
+          </a:p>
+          <a:p>
+            <a:r>
+              <a:rPr lang="ru-RU" dirty="0"/>
               <a:t>Тренировачная выборка содержит 37101 изображение</a:t>
             </a:r>
           </a:p>
           <a:p>
             <a:r>
-              <a:rPr lang="ru-RU" dirty="0" smtClean="0"/>
+              <a:rPr lang="ru-RU" dirty="0"/>
               <a:t>Валидационная выборка содержит 12460 изображений</a:t>
             </a:r>
           </a:p>
           <a:p>
             <a:r>
-              <a:rPr lang="ru-RU" dirty="0" smtClean="0"/>
+              <a:rPr lang="ru-RU" dirty="0"/>
               <a:t>Всего 74 класса</a:t>
             </a:r>
           </a:p>
           <a:p>
             <a:r>
-              <a:rPr lang="ru-RU" dirty="0" smtClean="0"/>
+              <a:rPr lang="ru-RU" dirty="0"/>
               <a:t>Нужно решить задачу мультиклассовой классификации</a:t>
             </a:r>
             <a:endParaRPr lang="en-US" dirty="0"/>
@@ -3510,7 +3425,7 @@
           <a:lstStyle/>
           <a:p>
             <a:r>
-              <a:rPr lang="ru-RU" dirty="0" smtClean="0"/>
+              <a:rPr lang="ru-RU" dirty="0"/>
               <a:t>Предобработка данных</a:t>
             </a:r>
             <a:endParaRPr lang="en-US" dirty="0"/>
@@ -3533,43 +3448,43 @@
           <a:lstStyle/>
           <a:p>
             <a:r>
-              <a:rPr lang="ru-RU" dirty="0" smtClean="0"/>
-              <a:t>Уменьшил размерность изображений до 64 Х 64 </a:t>
-            </a:r>
-          </a:p>
-          <a:p>
-            <a:r>
-              <a:rPr lang="ru-RU" dirty="0" smtClean="0"/>
+              <a:rPr lang="ru-RU" dirty="0"/>
+              <a:t>Уменьшил размерность изображений с 100х100 до 64 Х 64 </a:t>
+            </a:r>
+          </a:p>
+          <a:p>
+            <a:r>
+              <a:rPr lang="ru-RU" dirty="0"/>
               <a:t>Нормализовавал </a:t>
             </a:r>
             <a:r>
-              <a:rPr lang="en-US" dirty="0" smtClean="0"/>
+              <a:rPr lang="en-US" dirty="0"/>
               <a:t>RGB </a:t>
             </a:r>
             <a:r>
-              <a:rPr lang="ru-RU" dirty="0" smtClean="0"/>
+              <a:rPr lang="ru-RU" dirty="0"/>
               <a:t>каналы, получив значения </a:t>
             </a:r>
             <a:r>
-              <a:rPr lang="en-US" dirty="0" smtClean="0"/>
+              <a:rPr lang="en-US" dirty="0"/>
               <a:t>[0,1]</a:t>
             </a:r>
           </a:p>
           <a:p>
             <a:r>
-              <a:rPr lang="ru-RU" dirty="0" smtClean="0"/>
+              <a:rPr lang="ru-RU" dirty="0"/>
               <a:t>Добавил преобразования приближения</a:t>
             </a:r>
           </a:p>
           <a:p>
             <a:r>
-              <a:rPr lang="ru-RU" dirty="0" smtClean="0"/>
+              <a:rPr lang="ru-RU" dirty="0"/>
               <a:t>Добавил случайное преобразование отзеркаливания</a:t>
             </a:r>
           </a:p>
           <a:p>
             <a:r>
-              <a:rPr lang="ru-RU" dirty="0" smtClean="0"/>
+              <a:rPr lang="ru-RU" dirty="0"/>
               <a:t>Сознательно отказался от преобразования для коррекции освещения и  перспективы</a:t>
             </a:r>
             <a:endParaRPr lang="en-US" dirty="0"/>
@@ -3622,7 +3537,7 @@
           <a:lstStyle/>
           <a:p>
             <a:r>
-              <a:rPr lang="ru-RU" dirty="0" smtClean="0"/>
+              <a:rPr lang="ru-RU" dirty="0"/>
               <a:t>Использованные инструменты</a:t>
             </a:r>
             <a:endParaRPr lang="en-US" dirty="0"/>
@@ -3641,78 +3556,82 @@
         </p:nvSpPr>
         <p:spPr/>
         <p:txBody>
-          <a:bodyPr/>
-          <a:lstStyle/>
-          <a:p>
-            <a:r>
-              <a:rPr lang="en-US" dirty="0" err="1" smtClean="0"/>
+          <a:bodyPr>
+            <a:normAutofit/>
+          </a:bodyPr>
+          <a:lstStyle/>
+          <a:p>
+            <a:r>
+              <a:rPr lang="en-US" dirty="0" err="1"/>
               <a:t>Keras</a:t>
             </a:r>
             <a:r>
-              <a:rPr lang="en-US" dirty="0" smtClean="0"/>
+              <a:rPr lang="en-US" dirty="0"/>
               <a:t> 2.2.0</a:t>
             </a:r>
           </a:p>
           <a:p>
             <a:r>
-              <a:rPr lang="en-US" dirty="0" smtClean="0"/>
+              <a:rPr lang="en-US" dirty="0"/>
               <a:t>Ubuntu 16.04</a:t>
             </a:r>
           </a:p>
           <a:p>
             <a:r>
-              <a:rPr lang="en-US" dirty="0" err="1" smtClean="0"/>
-              <a:t>Cuda</a:t>
-            </a:r>
-            <a:r>
-              <a:rPr lang="en-US" dirty="0" smtClean="0"/>
-              <a:t> 9.0</a:t>
-            </a:r>
-          </a:p>
-          <a:p>
-            <a:r>
-              <a:rPr lang="en-US" dirty="0" smtClean="0"/>
+              <a:rPr lang="en-US" dirty="0"/>
+              <a:t>CUDA 9.0</a:t>
+            </a:r>
+          </a:p>
+          <a:p>
+            <a:r>
+              <a:rPr lang="en-US" dirty="0"/>
               <a:t>Python 3.5</a:t>
             </a:r>
           </a:p>
           <a:p>
             <a:r>
-              <a:rPr lang="en-US" dirty="0" err="1" smtClean="0"/>
+              <a:rPr lang="en-US" dirty="0" err="1"/>
               <a:t>cuDNN</a:t>
             </a:r>
             <a:r>
-              <a:rPr lang="en-US" dirty="0" smtClean="0"/>
+              <a:rPr lang="en-US" dirty="0"/>
               <a:t> 7.0.4</a:t>
             </a:r>
           </a:p>
           <a:p>
             <a:r>
-              <a:rPr lang="en-US" dirty="0" err="1" smtClean="0"/>
+              <a:rPr lang="en-US" dirty="0" err="1"/>
               <a:t>Tensorflow-gpu</a:t>
             </a:r>
             <a:r>
-              <a:rPr lang="en-US" dirty="0" smtClean="0"/>
+              <a:rPr lang="en-US" dirty="0"/>
               <a:t> 1.9.0</a:t>
             </a:r>
           </a:p>
           <a:p>
             <a:r>
-              <a:rPr lang="ru-RU" dirty="0" smtClean="0"/>
+              <a:rPr lang="en-US" dirty="0" err="1"/>
+              <a:t>SKLearn</a:t>
+            </a:r>
+            <a:endParaRPr lang="en-US" dirty="0"/>
+          </a:p>
+          <a:p>
+            <a:r>
+              <a:rPr lang="ru-RU" dirty="0"/>
               <a:t>Обучалось на </a:t>
             </a:r>
             <a:r>
-              <a:rPr lang="en-US" dirty="0" err="1" smtClean="0"/>
+              <a:rPr lang="en-US" dirty="0" err="1"/>
               <a:t>Nvidia</a:t>
             </a:r>
             <a:r>
-              <a:rPr lang="en-US" dirty="0" smtClean="0"/>
+              <a:rPr lang="en-US" dirty="0"/>
               <a:t> 1060 6GB, </a:t>
             </a:r>
             <a:r>
-              <a:rPr lang="ru-RU" dirty="0" smtClean="0"/>
+              <a:rPr lang="ru-RU" dirty="0"/>
               <a:t>драйвера версии 396</a:t>
             </a:r>
-            <a:endParaRPr lang="en-US" dirty="0"/>
           </a:p>
         </p:txBody>
       </p:sp>
@@ -3762,7 +3681,7 @@
           <a:lstStyle/>
           <a:p>
             <a:r>
-              <a:rPr lang="ru-RU" dirty="0" smtClean="0"/>
+              <a:rPr lang="ru-RU" dirty="0"/>
               <a:t>Использованное решение</a:t>
             </a:r>
             <a:endParaRPr lang="en-US" dirty="0"/>
@@ -3785,52 +3704,60 @@
           <a:lstStyle/>
           <a:p>
             <a:r>
-              <a:rPr lang="ru-RU" dirty="0" smtClean="0"/>
+              <a:rPr lang="ru-RU" dirty="0"/>
               <a:t>В качестве главных кандидатов рассматривались различные типы </a:t>
             </a:r>
             <a:r>
-              <a:rPr lang="en-US" dirty="0" smtClean="0"/>
+              <a:rPr lang="en-US" dirty="0"/>
               <a:t>CNN</a:t>
             </a:r>
           </a:p>
           <a:p>
             <a:r>
-              <a:rPr lang="ru-RU" dirty="0" smtClean="0"/>
+              <a:rPr lang="ru-RU" dirty="0"/>
               <a:t>Главный выбор был между </a:t>
             </a:r>
             <a:r>
-              <a:rPr lang="en-US" dirty="0" smtClean="0"/>
+              <a:rPr lang="en-US" dirty="0"/>
               <a:t>R-CNN </a:t>
             </a:r>
             <a:r>
-              <a:rPr lang="ru-RU" dirty="0" smtClean="0"/>
+              <a:rPr lang="ru-RU" dirty="0"/>
               <a:t>и </a:t>
             </a:r>
             <a:r>
-              <a:rPr lang="en-US" dirty="0" smtClean="0"/>
+              <a:rPr lang="en-US" dirty="0"/>
               <a:t>CNN</a:t>
             </a:r>
           </a:p>
           <a:p>
             <a:r>
-              <a:rPr lang="ru-RU" dirty="0" smtClean="0"/>
+              <a:rPr lang="ru-RU" dirty="0"/>
               <a:t>Была выбрана </a:t>
             </a:r>
             <a:r>
-              <a:rPr lang="en-US" dirty="0" smtClean="0"/>
+              <a:rPr lang="en-US" dirty="0"/>
               <a:t>CNN </a:t>
             </a:r>
             <a:r>
-              <a:rPr lang="ru-RU" dirty="0" smtClean="0"/>
+              <a:rPr lang="ru-RU" dirty="0"/>
               <a:t>из-за особенностей выборки</a:t>
             </a:r>
             <a:r>
-              <a:rPr lang="en-US" dirty="0" smtClean="0"/>
+              <a:rPr lang="en-US" dirty="0"/>
               <a:t>: ROI </a:t>
             </a:r>
             <a:r>
-              <a:rPr lang="ru-RU" dirty="0" smtClean="0"/>
-              <a:t>не важен и скорости разработки</a:t>
+              <a:rPr lang="ru-RU" dirty="0"/>
+              <a:t>не важен и время разработки у </a:t>
+            </a:r>
+            <a:r>
+              <a:rPr lang="en-US" dirty="0"/>
+              <a:t>CNN </a:t>
+            </a:r>
+            <a:r>
+              <a:rPr lang="ru-RU" dirty="0"/>
+              <a:t>меньше</a:t>
             </a:r>
             <a:endParaRPr lang="en-US" dirty="0"/>
           </a:p>
@@ -3882,7 +3809,7 @@
           <a:lstStyle/>
           <a:p>
             <a:r>
-              <a:rPr lang="ru-RU" dirty="0" smtClean="0"/>
+              <a:rPr lang="ru-RU" dirty="0"/>
               <a:t>Использованное решение</a:t>
             </a:r>
             <a:endParaRPr lang="en-US" dirty="0"/>
@@ -3905,88 +3832,126 @@
           <a:lstStyle/>
           <a:p>
             <a:r>
-              <a:rPr lang="ru-RU" dirty="0" smtClean="0"/>
+              <a:rPr lang="ru-RU" dirty="0"/>
               <a:t>3 </a:t>
             </a:r>
             <a:r>
-              <a:rPr lang="en-US" dirty="0" smtClean="0"/>
+              <a:rPr lang="en-US" dirty="0"/>
               <a:t>Convolution </a:t>
             </a:r>
             <a:r>
-              <a:rPr lang="ru-RU" dirty="0" smtClean="0"/>
+              <a:rPr lang="ru-RU" dirty="0"/>
               <a:t>слоя</a:t>
             </a:r>
-          </a:p>
-          <a:p>
-            <a:r>
-              <a:rPr lang="ru-RU" dirty="0" smtClean="0"/>
+            <a:endParaRPr lang="en-US" dirty="0"/>
+          </a:p>
+          <a:p>
+            <a:r>
+              <a:rPr lang="en-US" dirty="0"/>
               <a:t>3 </a:t>
             </a:r>
             <a:r>
-              <a:rPr lang="en-US" dirty="0" smtClean="0"/>
+              <a:rPr lang="en-US" dirty="0" err="1"/>
+              <a:t>MaxPooling</a:t>
+            </a:r>
+            <a:r>
+              <a:rPr lang="en-US" dirty="0"/>
+              <a:t> </a:t>
+            </a:r>
+            <a:r>
+              <a:rPr lang="ru-RU" dirty="0"/>
+              <a:t>слоя</a:t>
+            </a:r>
+          </a:p>
+          <a:p>
+            <a:r>
+              <a:rPr lang="ru-RU" dirty="0"/>
+              <a:t>3 </a:t>
+            </a:r>
+            <a:r>
+              <a:rPr lang="en-US" dirty="0"/>
               <a:t>Dense </a:t>
             </a:r>
             <a:r>
-              <a:rPr lang="ru-RU" dirty="0" smtClean="0"/>
+              <a:rPr lang="ru-RU" dirty="0"/>
               <a:t>слоя</a:t>
             </a:r>
           </a:p>
           <a:p>
             <a:r>
-              <a:rPr lang="ru-RU" dirty="0" smtClean="0"/>
+              <a:rPr lang="ru-RU" dirty="0"/>
               <a:t>Функция активации – </a:t>
             </a:r>
             <a:r>
-              <a:rPr lang="en-US" dirty="0" err="1" smtClean="0"/>
+              <a:rPr lang="en-US" dirty="0" err="1"/>
               <a:t>LeakyRelu</a:t>
             </a:r>
-            <a:endParaRPr lang="en-US" dirty="0" smtClean="0"/>
-          </a:p>
-          <a:p>
-            <a:r>
-              <a:rPr lang="ru-RU" dirty="0" smtClean="0"/>
-              <a:t>Для функция активации  выходного слоя– </a:t>
-            </a:r>
-            <a:r>
-              <a:rPr lang="en-US" dirty="0" err="1" smtClean="0"/>
+            <a:endParaRPr lang="en-US" dirty="0"/>
+          </a:p>
+          <a:p>
+            <a:r>
+              <a:rPr lang="ru-RU" dirty="0"/>
+              <a:t>Функция активации  выходного слоя</a:t>
+            </a:r>
+            <a:r>
+              <a:rPr lang="en-US" dirty="0"/>
+              <a:t> </a:t>
+            </a:r>
+            <a:r>
+              <a:rPr lang="ru-RU" dirty="0"/>
+              <a:t>– </a:t>
+            </a:r>
+            <a:r>
+              <a:rPr lang="en-US" dirty="0" err="1"/>
               <a:t>Softmax</a:t>
             </a:r>
-            <a:endParaRPr lang="en-US" dirty="0" smtClean="0"/>
-          </a:p>
-          <a:p>
-            <a:r>
-              <a:rPr lang="ru-RU" dirty="0" smtClean="0"/>
+            <a:endParaRPr lang="en-US" dirty="0"/>
+          </a:p>
+          <a:p>
+            <a:r>
+              <a:rPr lang="ru-RU" dirty="0"/>
               <a:t>Алгоритм оптимизации</a:t>
             </a:r>
             <a:r>
-              <a:rPr lang="en-US" dirty="0" smtClean="0"/>
+              <a:rPr lang="en-US" dirty="0"/>
               <a:t> – RMS</a:t>
             </a:r>
             <a:r>
               <a:rPr lang="ru-RU" dirty="0"/>
-              <a:t> </a:t>
-            </a:r>
-            <a:r>
-              <a:rPr lang="ru-RU" dirty="0" smtClean="0"/>
-              <a:t>с </a:t>
-            </a:r>
-            <a:r>
-              <a:rPr lang="en-US" dirty="0" smtClean="0"/>
+              <a:t> с </a:t>
+            </a:r>
+            <a:r>
+              <a:rPr lang="en-US" dirty="0"/>
               <a:t>learning rate decay &gt; 0</a:t>
             </a:r>
           </a:p>
           <a:p>
             <a:r>
-              <a:rPr lang="ru-RU" dirty="0" smtClean="0"/>
+              <a:rPr lang="ru-RU" dirty="0"/>
               <a:t>Алгоритм инициализации весов – </a:t>
             </a:r>
             <a:r>
-              <a:rPr lang="en-US" dirty="0" smtClean="0"/>
+              <a:rPr lang="en-US" dirty="0"/>
               <a:t>Xavier </a:t>
             </a:r>
             <a:r>
-              <a:rPr lang="en-US" dirty="0" err="1" smtClean="0"/>
+              <a:rPr lang="en-US" dirty="0" err="1"/>
               <a:t>Glorot</a:t>
+            </a:r>
+            <a:endParaRPr lang="en-US" dirty="0"/>
+          </a:p>
+          <a:p>
+            <a:r>
+              <a:rPr lang="ru-RU" dirty="0"/>
+              <a:t>Функция потерь</a:t>
+            </a:r>
+            <a:r>
+              <a:rPr lang="en-US" dirty="0"/>
+              <a:t> – Categorical </a:t>
+            </a:r>
+            <a:r>
+              <a:rPr lang="en-US" dirty="0" err="1"/>
+              <a:t>crossentropy</a:t>
             </a:r>
             <a:endParaRPr lang="en-US" dirty="0"/>
           </a:p>
@@ -4038,7 +4003,7 @@
           <a:lstStyle/>
           <a:p>
             <a:r>
-              <a:rPr lang="ru-RU" dirty="0" smtClean="0"/>
+              <a:rPr lang="ru-RU" dirty="0"/>
               <a:t>Использованное решение</a:t>
             </a:r>
             <a:endParaRPr lang="en-US" dirty="0"/>
@@ -4061,35 +4026,35 @@
           <a:lstStyle/>
           <a:p>
             <a:r>
-              <a:rPr lang="ru-RU" dirty="0" smtClean="0"/>
+              <a:rPr lang="ru-RU" dirty="0"/>
               <a:t>Обучение происходило в 25 эпохах</a:t>
             </a:r>
           </a:p>
           <a:p>
             <a:r>
-              <a:rPr lang="ru-RU" dirty="0" smtClean="0"/>
+              <a:rPr lang="ru-RU" dirty="0"/>
               <a:t>В каждой эпохе </a:t>
             </a:r>
             <a:r>
-              <a:rPr lang="en-US" dirty="0" smtClean="0"/>
+              <a:rPr lang="en-US" dirty="0"/>
               <a:t>~8 </a:t>
             </a:r>
             <a:r>
-              <a:rPr lang="ru-RU" dirty="0" smtClean="0"/>
+              <a:rPr lang="ru-RU" dirty="0"/>
               <a:t>тысяч случайных записей из тестовой выборки</a:t>
             </a:r>
           </a:p>
           <a:p>
             <a:r>
-              <a:rPr lang="ru-RU" dirty="0" smtClean="0"/>
+              <a:rPr lang="ru-RU" dirty="0"/>
               <a:t>Для валидации в каждой эпохе использовалось </a:t>
             </a:r>
             <a:r>
-              <a:rPr lang="en-US" dirty="0" smtClean="0"/>
+              <a:rPr lang="en-US" dirty="0"/>
               <a:t>~</a:t>
             </a:r>
             <a:r>
-              <a:rPr lang="ru-RU" dirty="0" smtClean="0"/>
+              <a:rPr lang="ru-RU" dirty="0"/>
               <a:t> 500 записей из валидационной выборки</a:t>
             </a:r>
             <a:endParaRPr lang="en-US" dirty="0"/>
@@ -4142,7 +4107,7 @@
           <a:lstStyle/>
           <a:p>
             <a:r>
-              <a:rPr lang="ru-RU" dirty="0" smtClean="0"/>
+              <a:rPr lang="ru-RU" dirty="0"/>
               <a:t>Результаты</a:t>
             </a:r>
             <a:endParaRPr lang="en-US" dirty="0"/>
@@ -4164,23 +4129,41 @@
           <a:bodyPr/>
           <a:lstStyle/>
           <a:p>
-            <a:r>
-              <a:rPr lang="en-US" dirty="0" smtClean="0"/>
+            <a:pPr marL="0" indent="0">
+              <a:buNone/>
+            </a:pPr>
+            <a:r>
+              <a:rPr lang="ru-RU" dirty="0"/>
+              <a:t>Главная метрика - </a:t>
+            </a:r>
+            <a:r>
+              <a:rPr lang="en-US" dirty="0"/>
+              <a:t>Accuracy</a:t>
+            </a:r>
+          </a:p>
+          <a:p>
+            <a:pPr marL="0" indent="0">
+              <a:buNone/>
+            </a:pPr>
+            <a:endParaRPr lang="en-US" dirty="0"/>
+          </a:p>
+          <a:p>
+            <a:r>
+              <a:rPr lang="en-US" dirty="0"/>
               <a:t>Accuracy 95.75%</a:t>
             </a:r>
           </a:p>
           <a:p>
             <a:r>
-              <a:rPr lang="en-US" dirty="0" smtClean="0"/>
+              <a:rPr lang="en-US" dirty="0"/>
               <a:t>Recall 95.75%</a:t>
             </a:r>
           </a:p>
           <a:p>
             <a:r>
-              <a:rPr lang="en-US" dirty="0" smtClean="0"/>
+              <a:rPr lang="en-US" dirty="0"/>
               <a:t>Precision 96.2 %</a:t>
             </a:r>
-            <a:endParaRPr lang="en-US" dirty="0"/>
           </a:p>
         </p:txBody>
       </p:sp>
@@ -4230,14 +4213,13 @@
           <a:lstStyle/>
           <a:p>
             <a:r>
-              <a:rPr lang="ru-RU" dirty="0" smtClean="0"/>
+              <a:rPr lang="ru-RU" dirty="0"/>
               <a:t>Результаты</a:t>
             </a:r>
             <a:r>
-              <a:rPr lang="en-US" dirty="0" smtClean="0"/>
+              <a:rPr lang="en-US" dirty="0"/>
               <a:t> – accuracy &amp; validation accuracy</a:t>
             </a:r>
-            <a:endParaRPr lang="en-US" dirty="0"/>
           </a:p>
         </p:txBody>
       </p:sp>
